--- a/奇異恩典_v2.pptx
+++ b/奇異恩典_v2.pptx
@@ -112,6 +112,11 @@
       </a:defRPr>
     </a:lvl9pPr>
   </p:defaultTextStyle>
+  <p:extLst>
+    <p:ext uri="{EFAFB233-063F-42B5-8137-9DF3F51BA10A}">
+      <p15:sldGuideLst xmlns:p15="http://schemas.microsoft.com/office/powerpoint/2012/main"/>
+    </p:ext>
+  </p:extLst>
 </p:presentation>
 </file>
 
@@ -296,7 +301,7 @@
           <a:p>
             <a:fld id="{6709A719-A21C-496B-A9A9-66BDEF500D2B}" type="datetimeFigureOut">
               <a:rPr lang="vi-VN" smtClean="0"/>
-              <a:t>06/11/2021</a:t>
+              <a:t>22/10/2022</a:t>
             </a:fld>
             <a:endParaRPr lang="vi-VN"/>
           </a:p>
@@ -466,7 +471,7 @@
           <a:p>
             <a:fld id="{6709A719-A21C-496B-A9A9-66BDEF500D2B}" type="datetimeFigureOut">
               <a:rPr lang="vi-VN" smtClean="0"/>
-              <a:t>06/11/2021</a:t>
+              <a:t>22/10/2022</a:t>
             </a:fld>
             <a:endParaRPr lang="vi-VN"/>
           </a:p>
@@ -646,7 +651,7 @@
           <a:p>
             <a:fld id="{6709A719-A21C-496B-A9A9-66BDEF500D2B}" type="datetimeFigureOut">
               <a:rPr lang="vi-VN" smtClean="0"/>
-              <a:t>06/11/2021</a:t>
+              <a:t>22/10/2022</a:t>
             </a:fld>
             <a:endParaRPr lang="vi-VN"/>
           </a:p>
@@ -816,7 +821,7 @@
           <a:p>
             <a:fld id="{6709A719-A21C-496B-A9A9-66BDEF500D2B}" type="datetimeFigureOut">
               <a:rPr lang="vi-VN" smtClean="0"/>
-              <a:t>06/11/2021</a:t>
+              <a:t>22/10/2022</a:t>
             </a:fld>
             <a:endParaRPr lang="vi-VN"/>
           </a:p>
@@ -1062,7 +1067,7 @@
           <a:p>
             <a:fld id="{6709A719-A21C-496B-A9A9-66BDEF500D2B}" type="datetimeFigureOut">
               <a:rPr lang="vi-VN" smtClean="0"/>
-              <a:t>06/11/2021</a:t>
+              <a:t>22/10/2022</a:t>
             </a:fld>
             <a:endParaRPr lang="vi-VN"/>
           </a:p>
@@ -1350,7 +1355,7 @@
           <a:p>
             <a:fld id="{6709A719-A21C-496B-A9A9-66BDEF500D2B}" type="datetimeFigureOut">
               <a:rPr lang="vi-VN" smtClean="0"/>
-              <a:t>06/11/2021</a:t>
+              <a:t>22/10/2022</a:t>
             </a:fld>
             <a:endParaRPr lang="vi-VN"/>
           </a:p>
@@ -1772,7 +1777,7 @@
           <a:p>
             <a:fld id="{6709A719-A21C-496B-A9A9-66BDEF500D2B}" type="datetimeFigureOut">
               <a:rPr lang="vi-VN" smtClean="0"/>
-              <a:t>06/11/2021</a:t>
+              <a:t>22/10/2022</a:t>
             </a:fld>
             <a:endParaRPr lang="vi-VN"/>
           </a:p>
@@ -1890,7 +1895,7 @@
           <a:p>
             <a:fld id="{6709A719-A21C-496B-A9A9-66BDEF500D2B}" type="datetimeFigureOut">
               <a:rPr lang="vi-VN" smtClean="0"/>
-              <a:t>06/11/2021</a:t>
+              <a:t>22/10/2022</a:t>
             </a:fld>
             <a:endParaRPr lang="vi-VN"/>
           </a:p>
@@ -1985,7 +1990,7 @@
           <a:p>
             <a:fld id="{6709A719-A21C-496B-A9A9-66BDEF500D2B}" type="datetimeFigureOut">
               <a:rPr lang="vi-VN" smtClean="0"/>
-              <a:t>06/11/2021</a:t>
+              <a:t>22/10/2022</a:t>
             </a:fld>
             <a:endParaRPr lang="vi-VN"/>
           </a:p>
@@ -2262,7 +2267,7 @@
           <a:p>
             <a:fld id="{6709A719-A21C-496B-A9A9-66BDEF500D2B}" type="datetimeFigureOut">
               <a:rPr lang="vi-VN" smtClean="0"/>
-              <a:t>06/11/2021</a:t>
+              <a:t>22/10/2022</a:t>
             </a:fld>
             <a:endParaRPr lang="vi-VN"/>
           </a:p>
@@ -2519,7 +2524,7 @@
           <a:p>
             <a:fld id="{6709A719-A21C-496B-A9A9-66BDEF500D2B}" type="datetimeFigureOut">
               <a:rPr lang="vi-VN" smtClean="0"/>
-              <a:t>06/11/2021</a:t>
+              <a:t>22/10/2022</a:t>
             </a:fld>
             <a:endParaRPr lang="vi-VN"/>
           </a:p>
@@ -2737,7 +2742,7 @@
           <a:p>
             <a:fld id="{6709A719-A21C-496B-A9A9-66BDEF500D2B}" type="datetimeFigureOut">
               <a:rPr lang="vi-VN" smtClean="0"/>
-              <a:t>06/11/2021</a:t>
+              <a:t>22/10/2022</a:t>
             </a:fld>
             <a:endParaRPr lang="vi-VN"/>
           </a:p>
@@ -3149,24 +3154,7 @@
                 <a:latin typeface="微軟正黑體" pitchFamily="34" charset="-120"/>
                 <a:ea typeface="微軟正黑體" pitchFamily="34" charset="-120"/>
               </a:rPr>
-              <a:t>奇</a:t>
-            </a:r>
-            <a:r>
-              <a:rPr lang="zh-TW" altLang="en-US" sz="7200" b="1" i="1" dirty="0">
-                <a:solidFill>
-                  <a:srgbClr val="000066"/>
-                </a:solidFill>
-                <a:effectLst>
-                  <a:outerShdw blurRad="38100" dist="38100" dir="2700000" algn="tl">
-                    <a:srgbClr val="000000">
-                      <a:alpha val="43137"/>
-                    </a:srgbClr>
-                  </a:outerShdw>
-                </a:effectLst>
-                <a:latin typeface="微軟正黑體" pitchFamily="34" charset="-120"/>
-                <a:ea typeface="微軟正黑體" pitchFamily="34" charset="-120"/>
-              </a:rPr>
-              <a:t>異恩典</a:t>
+              <a:t>奇異恩典</a:t>
             </a:r>
           </a:p>
         </p:txBody>
@@ -3283,7 +3271,15 @@
                   <a:srgbClr val="000066"/>
                 </a:solidFill>
               </a:rPr>
-              <a:t>( 1 )</a:t>
+              <a:t>( 1 </a:t>
+            </a:r>
+            <a:r>
+              <a:rPr lang="en-US" sz="4800" b="1" dirty="0" smtClean="0">
+                <a:solidFill>
+                  <a:srgbClr val="000066"/>
+                </a:solidFill>
+              </a:rPr>
+              <a:t>/ 4 )</a:t>
             </a:r>
             <a:endParaRPr lang="vi-VN" sz="4800" b="1" dirty="0">
               <a:solidFill>
@@ -3405,7 +3401,7 @@
                   <a:srgbClr val="000066"/>
                 </a:solidFill>
               </a:rPr>
-              <a:t>( 1 )</a:t>
+              <a:t>( 1 / 4 )</a:t>
             </a:r>
             <a:endParaRPr lang="vi-VN" sz="4800" b="1" dirty="0">
               <a:solidFill>
@@ -3530,7 +3526,7 @@
               <a:t>( </a:t>
             </a:r>
             <a:r>
-              <a:rPr lang="en-US" sz="4800" b="1" dirty="0">
+              <a:rPr lang="en-US" sz="4800" b="1" dirty="0" smtClean="0">
                 <a:solidFill>
                   <a:srgbClr val="000066"/>
                 </a:solidFill>
@@ -3543,7 +3539,7 @@
                   <a:srgbClr val="000066"/>
                 </a:solidFill>
               </a:rPr>
-              <a:t>)</a:t>
+              <a:t>/ 4 )</a:t>
             </a:r>
             <a:endParaRPr lang="vi-VN" sz="4800" b="1" dirty="0">
               <a:solidFill>
@@ -3636,17 +3632,7 @@
                 <a:latin typeface="微軟正黑體" pitchFamily="34" charset="-120"/>
                 <a:ea typeface="微軟正黑體" pitchFamily="34" charset="-120"/>
               </a:rPr>
-              <a:t>蒙</a:t>
-            </a:r>
-            <a:r>
-              <a:rPr lang="zh-TW" altLang="en-US" sz="6400" b="1" dirty="0">
-                <a:solidFill>
-                  <a:srgbClr val="000066"/>
-                </a:solidFill>
-                <a:latin typeface="微軟正黑體" pitchFamily="34" charset="-120"/>
-                <a:ea typeface="微軟正黑體" pitchFamily="34" charset="-120"/>
-              </a:rPr>
-              <a:t>恩惠</a:t>
+              <a:t>蒙恩惠</a:t>
             </a:r>
           </a:p>
           <a:p>
@@ -3695,23 +3681,7 @@
                   <a:srgbClr val="000066"/>
                 </a:solidFill>
               </a:rPr>
-              <a:t>( </a:t>
-            </a:r>
-            <a:r>
-              <a:rPr lang="en-US" sz="4800" b="1" dirty="0">
-                <a:solidFill>
-                  <a:srgbClr val="000066"/>
-                </a:solidFill>
-              </a:rPr>
-              <a:t>2 </a:t>
-            </a:r>
-            <a:r>
-              <a:rPr lang="en-US" sz="4800" b="1" dirty="0">
-                <a:solidFill>
-                  <a:srgbClr val="000066"/>
-                </a:solidFill>
-              </a:rPr>
-              <a:t>)</a:t>
+              <a:t>( 2 / 4 )</a:t>
             </a:r>
             <a:endParaRPr lang="vi-VN" sz="4800" b="1" dirty="0">
               <a:solidFill>
@@ -3794,17 +3764,7 @@
                 <a:latin typeface="微軟正黑體" pitchFamily="34" charset="-120"/>
                 <a:ea typeface="微軟正黑體" pitchFamily="34" charset="-120"/>
               </a:rPr>
-              <a:t>危</a:t>
-            </a:r>
-            <a:r>
-              <a:rPr lang="zh-TW" altLang="en-US" sz="6400" b="1" dirty="0">
-                <a:solidFill>
-                  <a:srgbClr val="000066"/>
-                </a:solidFill>
-                <a:latin typeface="微軟正黑體" pitchFamily="34" charset="-120"/>
-                <a:ea typeface="微軟正黑體" pitchFamily="34" charset="-120"/>
-              </a:rPr>
-              <a:t>險  試煉網羅</a:t>
+              <a:t>危險  試煉網羅</a:t>
             </a:r>
           </a:p>
           <a:p>
@@ -3856,7 +3816,7 @@
               <a:t>( </a:t>
             </a:r>
             <a:r>
-              <a:rPr lang="en-US" sz="4800" b="1" dirty="0">
+              <a:rPr lang="en-US" sz="4800" b="1" dirty="0" smtClean="0">
                 <a:solidFill>
                   <a:srgbClr val="000066"/>
                 </a:solidFill>
@@ -3869,7 +3829,7 @@
                   <a:srgbClr val="000066"/>
                 </a:solidFill>
               </a:rPr>
-              <a:t>)</a:t>
+              <a:t>/ 4 )</a:t>
             </a:r>
             <a:endParaRPr lang="vi-VN" sz="4800" b="1" dirty="0">
               <a:solidFill>
@@ -3991,23 +3951,7 @@
                   <a:srgbClr val="000066"/>
                 </a:solidFill>
               </a:rPr>
-              <a:t>( </a:t>
-            </a:r>
-            <a:r>
-              <a:rPr lang="en-US" sz="4800" b="1" dirty="0">
-                <a:solidFill>
-                  <a:srgbClr val="000066"/>
-                </a:solidFill>
-              </a:rPr>
-              <a:t>3 </a:t>
-            </a:r>
-            <a:r>
-              <a:rPr lang="en-US" sz="4800" b="1" dirty="0">
-                <a:solidFill>
-                  <a:srgbClr val="000066"/>
-                </a:solidFill>
-              </a:rPr>
-              <a:t>)</a:t>
+              <a:t>( 3 / 4 )</a:t>
             </a:r>
             <a:endParaRPr lang="vi-VN" sz="4800" b="1" dirty="0">
               <a:solidFill>
@@ -4132,7 +4076,7 @@
               <a:t>( </a:t>
             </a:r>
             <a:r>
-              <a:rPr lang="en-US" sz="4800" b="1" dirty="0">
+              <a:rPr lang="en-US" sz="4800" b="1" dirty="0" smtClean="0">
                 <a:solidFill>
                   <a:srgbClr val="000066"/>
                 </a:solidFill>
@@ -4145,7 +4089,7 @@
                   <a:srgbClr val="000066"/>
                 </a:solidFill>
               </a:rPr>
-              <a:t>)</a:t>
+              <a:t>/ 4 )</a:t>
             </a:r>
             <a:endParaRPr lang="vi-VN" sz="4800" b="1" dirty="0">
               <a:solidFill>
@@ -4267,23 +4211,7 @@
                   <a:srgbClr val="000066"/>
                 </a:solidFill>
               </a:rPr>
-              <a:t>( </a:t>
-            </a:r>
-            <a:r>
-              <a:rPr lang="en-US" sz="4800" b="1" dirty="0">
-                <a:solidFill>
-                  <a:srgbClr val="000066"/>
-                </a:solidFill>
-              </a:rPr>
-              <a:t>4 </a:t>
-            </a:r>
-            <a:r>
-              <a:rPr lang="en-US" sz="4800" b="1" dirty="0">
-                <a:solidFill>
-                  <a:srgbClr val="000066"/>
-                </a:solidFill>
-              </a:rPr>
-              <a:t>)</a:t>
+              <a:t>( 4 / 4 )</a:t>
             </a:r>
             <a:endParaRPr lang="vi-VN" sz="4800" b="1" dirty="0">
               <a:solidFill>
